--- a/A Gentle Introduction to C++.pptx
+++ b/A Gentle Introduction to C++.pptx
@@ -823,6 +823,90 @@
           <a:p>
             <a:fld id="{A2EE22E9-DA88-430E-A84D-AD56BA66BAD3}" type="slidenum">
               <a:rPr lang="en-US" smtClean="0"/>
+              <a:t>6</a:t>
+            </a:fld>
+            <a:endParaRPr lang="en-US"/>
+          </a:p>
+        </p:txBody>
+      </p:sp>
+    </p:spTree>
+    <p:extLst>
+      <p:ext uri="{BB962C8B-B14F-4D97-AF65-F5344CB8AC3E}">
+        <p14:creationId xmlns:p14="http://schemas.microsoft.com/office/powerpoint/2010/main" val="1194668782"/>
+      </p:ext>
+    </p:extLst>
+  </p:cSld>
+  <p:clrMapOvr>
+    <a:masterClrMapping/>
+  </p:clrMapOvr>
+</p:notes>
+</file>
+
+<file path=ppt/notesSlides/notesSlide3.xml><?xml version="1.0" encoding="utf-8"?>
+<p:notes xmlns:a="http://schemas.openxmlformats.org/drawingml/2006/main" xmlns:r="http://schemas.openxmlformats.org/officeDocument/2006/relationships" xmlns:p="http://schemas.openxmlformats.org/presentationml/2006/main">
+  <p:cSld>
+    <p:spTree>
+      <p:nvGrpSpPr>
+        <p:cNvPr id="1" name=""/>
+        <p:cNvGrpSpPr/>
+        <p:nvPr/>
+      </p:nvGrpSpPr>
+      <p:grpSpPr>
+        <a:xfrm>
+          <a:off x="0" y="0"/>
+          <a:ext cx="0" cy="0"/>
+          <a:chOff x="0" y="0"/>
+          <a:chExt cx="0" cy="0"/>
+        </a:xfrm>
+      </p:grpSpPr>
+      <p:sp>
+        <p:nvSpPr>
+          <p:cNvPr id="2" name="Slide Image Placeholder 1"/>
+          <p:cNvSpPr>
+            <a:spLocks noGrp="1" noRot="1" noChangeAspect="1"/>
+          </p:cNvSpPr>
+          <p:nvPr>
+            <p:ph type="sldImg"/>
+          </p:nvPr>
+        </p:nvSpPr>
+        <p:spPr/>
+      </p:sp>
+      <p:sp>
+        <p:nvSpPr>
+          <p:cNvPr id="3" name="Notes Placeholder 2"/>
+          <p:cNvSpPr>
+            <a:spLocks noGrp="1"/>
+          </p:cNvSpPr>
+          <p:nvPr>
+            <p:ph type="body" idx="1"/>
+          </p:nvPr>
+        </p:nvSpPr>
+        <p:spPr/>
+        <p:txBody>
+          <a:bodyPr/>
+          <a:lstStyle/>
+          <a:p>
+            <a:endParaRPr lang="en-US" dirty="0"/>
+          </a:p>
+        </p:txBody>
+      </p:sp>
+      <p:sp>
+        <p:nvSpPr>
+          <p:cNvPr id="4" name="Slide Number Placeholder 3"/>
+          <p:cNvSpPr>
+            <a:spLocks noGrp="1"/>
+          </p:cNvSpPr>
+          <p:nvPr>
+            <p:ph type="sldNum" sz="quarter" idx="10"/>
+          </p:nvPr>
+        </p:nvSpPr>
+        <p:spPr/>
+        <p:txBody>
+          <a:bodyPr/>
+          <a:lstStyle/>
+          <a:p>
+            <a:fld id="{A2EE22E9-DA88-430E-A84D-AD56BA66BAD3}" type="slidenum">
+              <a:rPr lang="en-US" smtClean="0"/>
               <a:t>8</a:t>
             </a:fld>
             <a:endParaRPr lang="en-US"/>
@@ -842,7 +926,7 @@
 </p:notes>
 </file>
 
-<file path=ppt/notesSlides/notesSlide3.xml><?xml version="1.0" encoding="utf-8"?>
+<file path=ppt/notesSlides/notesSlide4.xml><?xml version="1.0" encoding="utf-8"?>
 <p:notes xmlns:a="http://schemas.openxmlformats.org/drawingml/2006/main" xmlns:r="http://schemas.openxmlformats.org/officeDocument/2006/relationships" xmlns:p="http://schemas.openxmlformats.org/presentationml/2006/main">
   <p:cSld>
     <p:spTree>
@@ -3062,23 +3146,7 @@
           <a:p>
             <a:r>
               <a:rPr lang="en-US" dirty="0" smtClean="0"/>
-              <a:t>First, </a:t>
-            </a:r>
-            <a:r>
-              <a:rPr lang="en-US" dirty="0" smtClean="0"/>
-              <a:t>let’s </a:t>
-            </a:r>
-            <a:r>
-              <a:rPr lang="en-US" dirty="0" smtClean="0"/>
-              <a:t>move to C++. </a:t>
-            </a:r>
-            <a:r>
-              <a:rPr lang="en-US" dirty="0" smtClean="0"/>
-              <a:t> Just </a:t>
-            </a:r>
-            <a:r>
-              <a:rPr lang="en-US" dirty="0" smtClean="0"/>
-              <a:t>rename .c to .cpp. </a:t>
+              <a:t>First, let’s move to C++.  Just rename .c to .cpp. </a:t>
             </a:r>
           </a:p>
           <a:p>
@@ -4078,19 +4146,27 @@
         <p:spPr/>
         <p:txBody>
           <a:bodyPr>
-            <a:normAutofit lnSpcReduction="10000"/>
+            <a:normAutofit fontScale="92500" lnSpcReduction="20000"/>
           </a:bodyPr>
           <a:lstStyle/>
           <a:p>
             <a:r>
               <a:rPr lang="en-US" dirty="0" smtClean="0"/>
-              <a:t>Constructors and Destructors are called deterministically</a:t>
-            </a:r>
-          </a:p>
-          <a:p>
-            <a:r>
-              <a:rPr lang="en-US" dirty="0" smtClean="0"/>
-              <a:t>This is the basis of one of the most powerful C++ patterns:</a:t>
+              <a:t>Constructors and Destructors are called </a:t>
+            </a:r>
+            <a:r>
+              <a:rPr lang="en-US" dirty="0" smtClean="0"/>
+              <a:t>deterministically</a:t>
+            </a:r>
+          </a:p>
+          <a:p>
+            <a:r>
+              <a:rPr lang="en-US" dirty="0" smtClean="0"/>
+              <a:t>This </a:t>
+            </a:r>
+            <a:r>
+              <a:rPr lang="en-US" dirty="0" smtClean="0"/>
+              <a:t>is the basis of one of the most powerful C++ patterns:</a:t>
             </a:r>
           </a:p>
           <a:p>
@@ -4152,7 +4228,18 @@
           <a:p>
             <a:r>
               <a:rPr lang="en-US" dirty="0" smtClean="0"/>
-              <a:t>We will use this to remove explicit calls to Lock and UnLock</a:t>
+              <a:t>“Smart pointers” use it to prevent memory leaks.</a:t>
+            </a:r>
+            <a:endParaRPr lang="en-US" dirty="0"/>
+          </a:p>
+          <a:p>
+            <a:r>
+              <a:rPr lang="en-US" dirty="0" smtClean="0"/>
+              <a:t>We </a:t>
+            </a:r>
+            <a:r>
+              <a:rPr lang="en-US" dirty="0" smtClean="0"/>
+              <a:t>will use this to remove explicit calls to Lock and UnLock</a:t>
             </a:r>
           </a:p>
           <a:p>
@@ -4590,15 +4677,7 @@
           <a:p>
             <a:r>
               <a:rPr lang="en-US" dirty="0" smtClean="0"/>
-              <a:t>The </a:t>
-            </a:r>
-            <a:r>
-              <a:rPr lang="en-US" dirty="0" smtClean="0"/>
-              <a:t>rules of </a:t>
-            </a:r>
-            <a:r>
-              <a:rPr lang="en-US" dirty="0" smtClean="0"/>
-              <a:t>construction and destruction are simple</a:t>
+              <a:t>The rules of construction and destruction are simple</a:t>
             </a:r>
           </a:p>
           <a:p>
@@ -5570,9 +5649,401 @@
   <p:timing>
     <p:tnLst>
       <p:par>
-        <p:cTn id="1" dur="indefinite" restart="never" nodeType="tmRoot"/>
+        <p:cTn id="1" dur="indefinite" restart="never" nodeType="tmRoot">
+          <p:childTnLst>
+            <p:seq concurrent="1" nextAc="seek">
+              <p:cTn id="2" dur="indefinite" nodeType="mainSeq">
+                <p:childTnLst>
+                  <p:par>
+                    <p:cTn id="3" fill="hold">
+                      <p:stCondLst>
+                        <p:cond delay="indefinite"/>
+                      </p:stCondLst>
+                      <p:childTnLst>
+                        <p:par>
+                          <p:cTn id="4" fill="hold">
+                            <p:stCondLst>
+                              <p:cond delay="0"/>
+                            </p:stCondLst>
+                            <p:childTnLst>
+                              <p:par>
+                                <p:cTn id="5" presetID="10" presetClass="entr" presetSubtype="0" fill="hold" grpId="0" nodeType="clickEffect">
+                                  <p:stCondLst>
+                                    <p:cond delay="0"/>
+                                  </p:stCondLst>
+                                  <p:childTnLst>
+                                    <p:set>
+                                      <p:cBhvr>
+                                        <p:cTn id="6" dur="1" fill="hold">
+                                          <p:stCondLst>
+                                            <p:cond delay="0"/>
+                                          </p:stCondLst>
+                                        </p:cTn>
+                                        <p:tgtEl>
+                                          <p:spTgt spid="3">
+                                            <p:txEl>
+                                              <p:pRg st="0" end="0"/>
+                                            </p:txEl>
+                                          </p:spTgt>
+                                        </p:tgtEl>
+                                        <p:attrNameLst>
+                                          <p:attrName>style.visibility</p:attrName>
+                                        </p:attrNameLst>
+                                      </p:cBhvr>
+                                      <p:to>
+                                        <p:strVal val="visible"/>
+                                      </p:to>
+                                    </p:set>
+                                    <p:animEffect transition="in" filter="fade">
+                                      <p:cBhvr>
+                                        <p:cTn id="7" dur="500"/>
+                                        <p:tgtEl>
+                                          <p:spTgt spid="3">
+                                            <p:txEl>
+                                              <p:pRg st="0" end="0"/>
+                                            </p:txEl>
+                                          </p:spTgt>
+                                        </p:tgtEl>
+                                      </p:cBhvr>
+                                    </p:animEffect>
+                                  </p:childTnLst>
+                                </p:cTn>
+                              </p:par>
+                            </p:childTnLst>
+                          </p:cTn>
+                        </p:par>
+                      </p:childTnLst>
+                    </p:cTn>
+                  </p:par>
+                  <p:par>
+                    <p:cTn id="8" fill="hold">
+                      <p:stCondLst>
+                        <p:cond delay="indefinite"/>
+                      </p:stCondLst>
+                      <p:childTnLst>
+                        <p:par>
+                          <p:cTn id="9" fill="hold">
+                            <p:stCondLst>
+                              <p:cond delay="0"/>
+                            </p:stCondLst>
+                            <p:childTnLst>
+                              <p:par>
+                                <p:cTn id="10" presetID="10" presetClass="entr" presetSubtype="0" fill="hold" grpId="0" nodeType="clickEffect">
+                                  <p:stCondLst>
+                                    <p:cond delay="0"/>
+                                  </p:stCondLst>
+                                  <p:childTnLst>
+                                    <p:set>
+                                      <p:cBhvr>
+                                        <p:cTn id="11" dur="1" fill="hold">
+                                          <p:stCondLst>
+                                            <p:cond delay="0"/>
+                                          </p:stCondLst>
+                                        </p:cTn>
+                                        <p:tgtEl>
+                                          <p:spTgt spid="3">
+                                            <p:txEl>
+                                              <p:pRg st="1" end="1"/>
+                                            </p:txEl>
+                                          </p:spTgt>
+                                        </p:tgtEl>
+                                        <p:attrNameLst>
+                                          <p:attrName>style.visibility</p:attrName>
+                                        </p:attrNameLst>
+                                      </p:cBhvr>
+                                      <p:to>
+                                        <p:strVal val="visible"/>
+                                      </p:to>
+                                    </p:set>
+                                    <p:animEffect transition="in" filter="fade">
+                                      <p:cBhvr>
+                                        <p:cTn id="12" dur="500"/>
+                                        <p:tgtEl>
+                                          <p:spTgt spid="3">
+                                            <p:txEl>
+                                              <p:pRg st="1" end="1"/>
+                                            </p:txEl>
+                                          </p:spTgt>
+                                        </p:tgtEl>
+                                      </p:cBhvr>
+                                    </p:animEffect>
+                                  </p:childTnLst>
+                                </p:cTn>
+                              </p:par>
+                            </p:childTnLst>
+                          </p:cTn>
+                        </p:par>
+                      </p:childTnLst>
+                    </p:cTn>
+                  </p:par>
+                  <p:par>
+                    <p:cTn id="13" fill="hold">
+                      <p:stCondLst>
+                        <p:cond delay="indefinite"/>
+                      </p:stCondLst>
+                      <p:childTnLst>
+                        <p:par>
+                          <p:cTn id="14" fill="hold">
+                            <p:stCondLst>
+                              <p:cond delay="0"/>
+                            </p:stCondLst>
+                            <p:childTnLst>
+                              <p:par>
+                                <p:cTn id="15" presetID="10" presetClass="entr" presetSubtype="0" fill="hold" grpId="0" nodeType="clickEffect">
+                                  <p:stCondLst>
+                                    <p:cond delay="0"/>
+                                  </p:stCondLst>
+                                  <p:childTnLst>
+                                    <p:set>
+                                      <p:cBhvr>
+                                        <p:cTn id="16" dur="1" fill="hold">
+                                          <p:stCondLst>
+                                            <p:cond delay="0"/>
+                                          </p:stCondLst>
+                                        </p:cTn>
+                                        <p:tgtEl>
+                                          <p:spTgt spid="3">
+                                            <p:txEl>
+                                              <p:pRg st="2" end="2"/>
+                                            </p:txEl>
+                                          </p:spTgt>
+                                        </p:tgtEl>
+                                        <p:attrNameLst>
+                                          <p:attrName>style.visibility</p:attrName>
+                                        </p:attrNameLst>
+                                      </p:cBhvr>
+                                      <p:to>
+                                        <p:strVal val="visible"/>
+                                      </p:to>
+                                    </p:set>
+                                    <p:animEffect transition="in" filter="fade">
+                                      <p:cBhvr>
+                                        <p:cTn id="17" dur="500"/>
+                                        <p:tgtEl>
+                                          <p:spTgt spid="3">
+                                            <p:txEl>
+                                              <p:pRg st="2" end="2"/>
+                                            </p:txEl>
+                                          </p:spTgt>
+                                        </p:tgtEl>
+                                      </p:cBhvr>
+                                    </p:animEffect>
+                                  </p:childTnLst>
+                                </p:cTn>
+                              </p:par>
+                            </p:childTnLst>
+                          </p:cTn>
+                        </p:par>
+                      </p:childTnLst>
+                    </p:cTn>
+                  </p:par>
+                  <p:par>
+                    <p:cTn id="18" fill="hold">
+                      <p:stCondLst>
+                        <p:cond delay="indefinite"/>
+                      </p:stCondLst>
+                      <p:childTnLst>
+                        <p:par>
+                          <p:cTn id="19" fill="hold">
+                            <p:stCondLst>
+                              <p:cond delay="0"/>
+                            </p:stCondLst>
+                            <p:childTnLst>
+                              <p:par>
+                                <p:cTn id="20" presetID="10" presetClass="entr" presetSubtype="0" fill="hold" grpId="0" nodeType="clickEffect">
+                                  <p:stCondLst>
+                                    <p:cond delay="0"/>
+                                  </p:stCondLst>
+                                  <p:childTnLst>
+                                    <p:set>
+                                      <p:cBhvr>
+                                        <p:cTn id="21" dur="1" fill="hold">
+                                          <p:stCondLst>
+                                            <p:cond delay="0"/>
+                                          </p:stCondLst>
+                                        </p:cTn>
+                                        <p:tgtEl>
+                                          <p:spTgt spid="3">
+                                            <p:txEl>
+                                              <p:pRg st="3" end="3"/>
+                                            </p:txEl>
+                                          </p:spTgt>
+                                        </p:tgtEl>
+                                        <p:attrNameLst>
+                                          <p:attrName>style.visibility</p:attrName>
+                                        </p:attrNameLst>
+                                      </p:cBhvr>
+                                      <p:to>
+                                        <p:strVal val="visible"/>
+                                      </p:to>
+                                    </p:set>
+                                    <p:animEffect transition="in" filter="fade">
+                                      <p:cBhvr>
+                                        <p:cTn id="22" dur="500"/>
+                                        <p:tgtEl>
+                                          <p:spTgt spid="3">
+                                            <p:txEl>
+                                              <p:pRg st="3" end="3"/>
+                                            </p:txEl>
+                                          </p:spTgt>
+                                        </p:tgtEl>
+                                      </p:cBhvr>
+                                    </p:animEffect>
+                                  </p:childTnLst>
+                                </p:cTn>
+                              </p:par>
+                            </p:childTnLst>
+                          </p:cTn>
+                        </p:par>
+                      </p:childTnLst>
+                    </p:cTn>
+                  </p:par>
+                  <p:par>
+                    <p:cTn id="23" fill="hold">
+                      <p:stCondLst>
+                        <p:cond delay="indefinite"/>
+                      </p:stCondLst>
+                      <p:childTnLst>
+                        <p:par>
+                          <p:cTn id="24" fill="hold">
+                            <p:stCondLst>
+                              <p:cond delay="0"/>
+                            </p:stCondLst>
+                            <p:childTnLst>
+                              <p:par>
+                                <p:cTn id="25" presetID="10" presetClass="entr" presetSubtype="0" fill="hold" grpId="0" nodeType="clickEffect">
+                                  <p:stCondLst>
+                                    <p:cond delay="0"/>
+                                  </p:stCondLst>
+                                  <p:childTnLst>
+                                    <p:set>
+                                      <p:cBhvr>
+                                        <p:cTn id="26" dur="1" fill="hold">
+                                          <p:stCondLst>
+                                            <p:cond delay="0"/>
+                                          </p:stCondLst>
+                                        </p:cTn>
+                                        <p:tgtEl>
+                                          <p:spTgt spid="3">
+                                            <p:txEl>
+                                              <p:pRg st="4" end="4"/>
+                                            </p:txEl>
+                                          </p:spTgt>
+                                        </p:tgtEl>
+                                        <p:attrNameLst>
+                                          <p:attrName>style.visibility</p:attrName>
+                                        </p:attrNameLst>
+                                      </p:cBhvr>
+                                      <p:to>
+                                        <p:strVal val="visible"/>
+                                      </p:to>
+                                    </p:set>
+                                    <p:animEffect transition="in" filter="fade">
+                                      <p:cBhvr>
+                                        <p:cTn id="27" dur="500"/>
+                                        <p:tgtEl>
+                                          <p:spTgt spid="3">
+                                            <p:txEl>
+                                              <p:pRg st="4" end="4"/>
+                                            </p:txEl>
+                                          </p:spTgt>
+                                        </p:tgtEl>
+                                      </p:cBhvr>
+                                    </p:animEffect>
+                                  </p:childTnLst>
+                                </p:cTn>
+                              </p:par>
+                            </p:childTnLst>
+                          </p:cTn>
+                        </p:par>
+                      </p:childTnLst>
+                    </p:cTn>
+                  </p:par>
+                  <p:par>
+                    <p:cTn id="28" fill="hold">
+                      <p:stCondLst>
+                        <p:cond delay="indefinite"/>
+                      </p:stCondLst>
+                      <p:childTnLst>
+                        <p:par>
+                          <p:cTn id="29" fill="hold">
+                            <p:stCondLst>
+                              <p:cond delay="0"/>
+                            </p:stCondLst>
+                            <p:childTnLst>
+                              <p:par>
+                                <p:cTn id="30" presetID="10" presetClass="entr" presetSubtype="0" fill="hold" grpId="0" nodeType="clickEffect">
+                                  <p:stCondLst>
+                                    <p:cond delay="0"/>
+                                  </p:stCondLst>
+                                  <p:childTnLst>
+                                    <p:set>
+                                      <p:cBhvr>
+                                        <p:cTn id="31" dur="1" fill="hold">
+                                          <p:stCondLst>
+                                            <p:cond delay="0"/>
+                                          </p:stCondLst>
+                                        </p:cTn>
+                                        <p:tgtEl>
+                                          <p:spTgt spid="3">
+                                            <p:txEl>
+                                              <p:pRg st="5" end="5"/>
+                                            </p:txEl>
+                                          </p:spTgt>
+                                        </p:tgtEl>
+                                        <p:attrNameLst>
+                                          <p:attrName>style.visibility</p:attrName>
+                                        </p:attrNameLst>
+                                      </p:cBhvr>
+                                      <p:to>
+                                        <p:strVal val="visible"/>
+                                      </p:to>
+                                    </p:set>
+                                    <p:animEffect transition="in" filter="fade">
+                                      <p:cBhvr>
+                                        <p:cTn id="32" dur="500"/>
+                                        <p:tgtEl>
+                                          <p:spTgt spid="3">
+                                            <p:txEl>
+                                              <p:pRg st="5" end="5"/>
+                                            </p:txEl>
+                                          </p:spTgt>
+                                        </p:tgtEl>
+                                      </p:cBhvr>
+                                    </p:animEffect>
+                                  </p:childTnLst>
+                                </p:cTn>
+                              </p:par>
+                            </p:childTnLst>
+                          </p:cTn>
+                        </p:par>
+                      </p:childTnLst>
+                    </p:cTn>
+                  </p:par>
+                </p:childTnLst>
+              </p:cTn>
+              <p:prevCondLst>
+                <p:cond evt="onPrev" delay="0">
+                  <p:tgtEl>
+                    <p:sldTgt/>
+                  </p:tgtEl>
+                </p:cond>
+              </p:prevCondLst>
+              <p:nextCondLst>
+                <p:cond evt="onNext" delay="0">
+                  <p:tgtEl>
+                    <p:sldTgt/>
+                  </p:tgtEl>
+                </p:cond>
+              </p:nextCondLst>
+            </p:seq>
+          </p:childTnLst>
+        </p:cTn>
       </p:par>
     </p:tnLst>
+    <p:bldLst>
+      <p:bldP spid="3" grpId="0" build="p"/>
+    </p:bldLst>
   </p:timing>
 </p:sld>
 </file>
@@ -6767,11 +7238,7 @@
             <a:pPr lvl="1"/>
             <a:r>
               <a:rPr lang="en-US" dirty="0" smtClean="0"/>
-              <a:t>Composition – simplifies </a:t>
-            </a:r>
-            <a:r>
-              <a:rPr lang="en-US" dirty="0" smtClean="0"/>
-              <a:t>the construction of complex systems</a:t>
+              <a:t>Composition – simplifies the construction of complex systems</a:t>
             </a:r>
             <a:endParaRPr lang="en-US" dirty="0"/>
           </a:p>
@@ -7791,60 +8258,56 @@
             <a:pPr lvl="1"/>
             <a:r>
               <a:rPr lang="en-US" dirty="0" smtClean="0"/>
-              <a:t>Simplify </a:t>
-            </a:r>
-            <a:r>
-              <a:rPr lang="en-US" dirty="0" smtClean="0"/>
-              <a:t>object construction and destruction.</a:t>
+              <a:t>Simplify object construction and destruction.</a:t>
             </a:r>
           </a:p>
           <a:p>
             <a:pPr lvl="1"/>
             <a:r>
               <a:rPr lang="en-US" dirty="0" smtClean="0"/>
-              <a:t>Guarantee </a:t>
-            </a:r>
-            <a:r>
-              <a:rPr lang="en-US" dirty="0" smtClean="0"/>
-              <a:t>proper initialization and release of resources.</a:t>
+              <a:t>Reduce </a:t>
+            </a:r>
+            <a:r>
+              <a:rPr lang="en-US" dirty="0" smtClean="0"/>
+              <a:t>the chances of a memory (and other) leaks.</a:t>
+            </a:r>
+          </a:p>
+          <a:p>
+            <a:r>
+              <a:rPr lang="en-US" dirty="0" smtClean="0"/>
+              <a:t>Interfaces</a:t>
             </a:r>
           </a:p>
           <a:p>
             <a:pPr lvl="1"/>
             <a:r>
               <a:rPr lang="en-US" dirty="0" smtClean="0"/>
-              <a:t>Reduce the chances of a memory (and other) leaks.</a:t>
-            </a:r>
-          </a:p>
-          <a:p>
-            <a:r>
-              <a:rPr lang="en-US" dirty="0" smtClean="0"/>
-              <a:t>Interfaces</a:t>
+              <a:t>“Perfect” encapsulation</a:t>
+            </a:r>
+          </a:p>
+          <a:p>
+            <a:r>
+              <a:rPr lang="en-US" dirty="0" smtClean="0"/>
+              <a:t>Stronger Type Enforcement</a:t>
             </a:r>
           </a:p>
           <a:p>
             <a:pPr lvl="1"/>
             <a:r>
               <a:rPr lang="en-US" dirty="0" smtClean="0"/>
-              <a:t>“Perfect” </a:t>
-            </a:r>
-            <a:r>
-              <a:rPr lang="en-US" dirty="0" smtClean="0"/>
-              <a:t>encapsulation</a:t>
-            </a:r>
-          </a:p>
-          <a:p>
-            <a:r>
-              <a:rPr lang="en-US" dirty="0" smtClean="0"/>
-              <a:t>Stronger Type Enforcement</a:t>
-            </a:r>
-          </a:p>
-          <a:p>
-            <a:pPr lvl="1"/>
-            <a:r>
-              <a:rPr lang="en-US" dirty="0" smtClean="0"/>
-              <a:t>Prevents common type mismatch errors</a:t>
-            </a:r>
+              <a:t>Prevents common type mismatch </a:t>
+            </a:r>
+            <a:r>
+              <a:rPr lang="en-US" dirty="0" smtClean="0"/>
+              <a:t>errors</a:t>
+            </a:r>
+          </a:p>
+          <a:p>
+            <a:r>
+              <a:rPr lang="en-US" dirty="0" smtClean="0"/>
+              <a:t>The standard library: queue, map, file, thread, smart pointers</a:t>
+            </a:r>
+            <a:endParaRPr lang="en-US" dirty="0" smtClean="0"/>
           </a:p>
         </p:txBody>
       </p:sp>
@@ -8007,15 +8470,33 @@
                                   </p:childTnLst>
                                 </p:cTn>
                               </p:par>
+                            </p:childTnLst>
+                          </p:cTn>
+                        </p:par>
+                      </p:childTnLst>
+                    </p:cTn>
+                  </p:par>
+                  <p:par>
+                    <p:cTn id="14" fill="hold">
+                      <p:stCondLst>
+                        <p:cond delay="indefinite"/>
+                      </p:stCondLst>
+                      <p:childTnLst>
+                        <p:par>
+                          <p:cTn id="15" fill="hold">
+                            <p:stCondLst>
+                              <p:cond delay="0"/>
+                            </p:stCondLst>
+                            <p:childTnLst>
                               <p:par>
-                                <p:cTn id="14" presetID="10" presetClass="entr" presetSubtype="0" fill="hold" grpId="0" nodeType="withEffect">
+                                <p:cTn id="16" presetID="10" presetClass="entr" presetSubtype="0" fill="hold" grpId="0" nodeType="clickEffect">
                                   <p:stCondLst>
                                     <p:cond delay="0"/>
                                   </p:stCondLst>
                                   <p:childTnLst>
                                     <p:set>
                                       <p:cBhvr>
-                                        <p:cTn id="15" dur="1" fill="hold">
+                                        <p:cTn id="17" dur="1" fill="hold">
                                           <p:stCondLst>
                                             <p:cond delay="0"/>
                                           </p:stCondLst>
@@ -8037,7 +8518,7 @@
                                     </p:set>
                                     <p:animEffect transition="in" filter="fade">
                                       <p:cBhvr>
-                                        <p:cTn id="16" dur="500"/>
+                                        <p:cTn id="18" dur="500"/>
                                         <p:tgtEl>
                                           <p:spTgt spid="3">
                                             <p:txEl>
@@ -8050,26 +8531,8 @@
                                   </p:childTnLst>
                                 </p:cTn>
                               </p:par>
-                            </p:childTnLst>
-                          </p:cTn>
-                        </p:par>
-                      </p:childTnLst>
-                    </p:cTn>
-                  </p:par>
-                  <p:par>
-                    <p:cTn id="17" fill="hold">
-                      <p:stCondLst>
-                        <p:cond delay="indefinite"/>
-                      </p:stCondLst>
-                      <p:childTnLst>
-                        <p:par>
-                          <p:cTn id="18" fill="hold">
-                            <p:stCondLst>
-                              <p:cond delay="0"/>
-                            </p:stCondLst>
-                            <p:childTnLst>
                               <p:par>
-                                <p:cTn id="19" presetID="10" presetClass="entr" presetSubtype="0" fill="hold" grpId="0" nodeType="clickEffect">
+                                <p:cTn id="19" presetID="10" presetClass="entr" presetSubtype="0" fill="hold" grpId="0" nodeType="withEffect">
                                   <p:stCondLst>
                                     <p:cond delay="0"/>
                                   </p:stCondLst>
@@ -8111,15 +8574,33 @@
                                   </p:childTnLst>
                                 </p:cTn>
                               </p:par>
+                            </p:childTnLst>
+                          </p:cTn>
+                        </p:par>
+                      </p:childTnLst>
+                    </p:cTn>
+                  </p:par>
+                  <p:par>
+                    <p:cTn id="22" fill="hold">
+                      <p:stCondLst>
+                        <p:cond delay="indefinite"/>
+                      </p:stCondLst>
+                      <p:childTnLst>
+                        <p:par>
+                          <p:cTn id="23" fill="hold">
+                            <p:stCondLst>
+                              <p:cond delay="0"/>
+                            </p:stCondLst>
+                            <p:childTnLst>
                               <p:par>
-                                <p:cTn id="22" presetID="10" presetClass="entr" presetSubtype="0" fill="hold" grpId="0" nodeType="withEffect">
+                                <p:cTn id="24" presetID="10" presetClass="entr" presetSubtype="0" fill="hold" grpId="0" nodeType="clickEffect">
                                   <p:stCondLst>
                                     <p:cond delay="0"/>
                                   </p:stCondLst>
                                   <p:childTnLst>
                                     <p:set>
                                       <p:cBhvr>
-                                        <p:cTn id="23" dur="1" fill="hold">
+                                        <p:cTn id="25" dur="1" fill="hold">
                                           <p:stCondLst>
                                             <p:cond delay="0"/>
                                           </p:stCondLst>
@@ -8141,7 +8622,7 @@
                                     </p:set>
                                     <p:animEffect transition="in" filter="fade">
                                       <p:cBhvr>
-                                        <p:cTn id="24" dur="500"/>
+                                        <p:cTn id="26" dur="500"/>
                                         <p:tgtEl>
                                           <p:spTgt spid="3">
                                             <p:txEl>
@@ -8154,26 +8635,8 @@
                                   </p:childTnLst>
                                 </p:cTn>
                               </p:par>
-                            </p:childTnLst>
-                          </p:cTn>
-                        </p:par>
-                      </p:childTnLst>
-                    </p:cTn>
-                  </p:par>
-                  <p:par>
-                    <p:cTn id="25" fill="hold">
-                      <p:stCondLst>
-                        <p:cond delay="indefinite"/>
-                      </p:stCondLst>
-                      <p:childTnLst>
-                        <p:par>
-                          <p:cTn id="26" fill="hold">
-                            <p:stCondLst>
-                              <p:cond delay="0"/>
-                            </p:stCondLst>
-                            <p:childTnLst>
                               <p:par>
-                                <p:cTn id="27" presetID="10" presetClass="entr" presetSubtype="0" fill="hold" grpId="0" nodeType="clickEffect">
+                                <p:cTn id="27" presetID="10" presetClass="entr" presetSubtype="0" fill="hold" grpId="0" nodeType="withEffect">
                                   <p:stCondLst>
                                     <p:cond delay="0"/>
                                   </p:stCondLst>
@@ -8215,15 +8678,33 @@
                                   </p:childTnLst>
                                 </p:cTn>
                               </p:par>
+                            </p:childTnLst>
+                          </p:cTn>
+                        </p:par>
+                      </p:childTnLst>
+                    </p:cTn>
+                  </p:par>
+                  <p:par>
+                    <p:cTn id="30" fill="hold">
+                      <p:stCondLst>
+                        <p:cond delay="indefinite"/>
+                      </p:stCondLst>
+                      <p:childTnLst>
+                        <p:par>
+                          <p:cTn id="31" fill="hold">
+                            <p:stCondLst>
+                              <p:cond delay="0"/>
+                            </p:stCondLst>
+                            <p:childTnLst>
                               <p:par>
-                                <p:cTn id="30" presetID="10" presetClass="entr" presetSubtype="0" fill="hold" grpId="0" nodeType="withEffect">
+                                <p:cTn id="32" presetID="10" presetClass="entr" presetSubtype="0" fill="hold" grpId="0" nodeType="clickEffect">
                                   <p:stCondLst>
                                     <p:cond delay="0"/>
                                   </p:stCondLst>
                                   <p:childTnLst>
                                     <p:set>
                                       <p:cBhvr>
-                                        <p:cTn id="31" dur="1" fill="hold">
+                                        <p:cTn id="33" dur="1" fill="hold">
                                           <p:stCondLst>
                                             <p:cond delay="0"/>
                                           </p:stCondLst>
@@ -8245,7 +8726,7 @@
                                     </p:set>
                                     <p:animEffect transition="in" filter="fade">
                                       <p:cBhvr>
-                                        <p:cTn id="32" dur="500"/>
+                                        <p:cTn id="34" dur="500"/>
                                         <p:tgtEl>
                                           <p:spTgt spid="3">
                                             <p:txEl>
@@ -8357,13 +8838,8 @@
           <a:p>
             <a:r>
               <a:rPr lang="en-US" dirty="0" smtClean="0"/>
-              <a:t>C++ </a:t>
-            </a:r>
-            <a:r>
-              <a:rPr lang="en-US" dirty="0" smtClean="0"/>
-              <a:t>can call C global functions (if marked as extern “C”)</a:t>
-            </a:r>
-            <a:endParaRPr lang="en-US" dirty="0" smtClean="0"/>
+              <a:t>C++ can call C global functions (if marked as extern “C”)</a:t>
+            </a:r>
           </a:p>
           <a:p>
             <a:r>
@@ -8378,11 +8854,7 @@
           <a:p>
             <a:r>
               <a:rPr lang="en-US" dirty="0" smtClean="0"/>
-              <a:t>There </a:t>
-            </a:r>
-            <a:r>
-              <a:rPr lang="en-US" dirty="0" smtClean="0"/>
-              <a:t>are many parts to the language. Take the ones you like.</a:t>
+              <a:t>There are many parts to the language. Take the ones you like.</a:t>
             </a:r>
           </a:p>
           <a:p>
@@ -8416,13 +8888,8 @@
             <a:pPr lvl="1"/>
             <a:r>
               <a:rPr lang="en-US" dirty="0" smtClean="0"/>
-              <a:t>Add a constructor and a </a:t>
-            </a:r>
-            <a:r>
-              <a:rPr lang="en-US" dirty="0" smtClean="0"/>
-              <a:t>destructor</a:t>
-            </a:r>
-            <a:endParaRPr lang="en-US" dirty="0" smtClean="0"/>
+              <a:t>Add a constructor and a destructor</a:t>
+            </a:r>
           </a:p>
         </p:txBody>
       </p:sp>
@@ -9124,15 +9591,7 @@
                   <a:schemeClr val="tx1"/>
                 </a:solidFill>
               </a:rPr>
-              <a:t>The tag appears on the footer of the </a:t>
-            </a:r>
-            <a:r>
-              <a:rPr lang="en-US" sz="2800" dirty="0" smtClean="0">
-                <a:solidFill>
-                  <a:schemeClr val="tx1"/>
-                </a:solidFill>
-              </a:rPr>
-              <a:t>following slides.</a:t>
+              <a:t>The tag appears on the footer of the following slides.</a:t>
             </a:r>
             <a:endParaRPr lang="en-US" sz="2800" dirty="0">
               <a:solidFill>
